--- a/Slides/Class15.pptx
+++ b/Slides/Class15.pptx
@@ -5,15 +5,16 @@
     <p:sldMasterId id="2147483648" r:id="rId1"/>
   </p:sldMasterIdLst>
   <p:notesMasterIdLst>
-    <p:notesMasterId r:id="rId5"/>
+    <p:notesMasterId r:id="rId6"/>
   </p:notesMasterIdLst>
   <p:handoutMasterIdLst>
-    <p:handoutMasterId r:id="rId6"/>
+    <p:handoutMasterId r:id="rId7"/>
   </p:handoutMasterIdLst>
   <p:sldIdLst>
     <p:sldId id="258" r:id="rId2"/>
     <p:sldId id="407" r:id="rId3"/>
-    <p:sldId id="409" r:id="rId4"/>
+    <p:sldId id="408" r:id="rId4"/>
+    <p:sldId id="410" r:id="rId5"/>
   </p:sldIdLst>
   <p:sldSz cx="9144000" cy="6858000" type="screen4x3"/>
   <p:notesSz cx="6858000" cy="9144000"/>
@@ -227,7 +228,7 @@
           <a:p>
             <a:fld id="{C24322AF-E05B-7249-906C-FBAC6154C037}" type="datetimeFigureOut">
               <a:rPr lang="en-US" smtClean="0"/>
-              <a:t>12/11/18</a:t>
+              <a:t>1/24/21</a:t>
             </a:fld>
             <a:endParaRPr lang="en-US"/>
           </a:p>
@@ -393,7 +394,7 @@
             <a:fld id="{06A43BE5-3BD4-F642-8751-88A31D8D6D13}" type="datetimeFigureOut">
               <a:rPr lang="en-US" smtClean="0"/>
               <a:pPr/>
-              <a:t>12/11/18</a:t>
+              <a:t>1/24/21</a:t>
             </a:fld>
             <a:endParaRPr lang="en-US"/>
           </a:p>
@@ -936,7 +937,7 @@
             <a:fld id="{A4FA2B0E-4818-9849-9CF1-1031FD4E1DAB}" type="datetimeFigureOut">
               <a:rPr lang="en-US" smtClean="0"/>
               <a:pPr/>
-              <a:t>12/11/18</a:t>
+              <a:t>1/24/21</a:t>
             </a:fld>
             <a:endParaRPr lang="en-US"/>
           </a:p>
@@ -1101,7 +1102,7 @@
             <a:fld id="{A4FA2B0E-4818-9849-9CF1-1031FD4E1DAB}" type="datetimeFigureOut">
               <a:rPr lang="en-US" smtClean="0"/>
               <a:pPr/>
-              <a:t>12/11/18</a:t>
+              <a:t>1/24/21</a:t>
             </a:fld>
             <a:endParaRPr lang="en-US"/>
           </a:p>
@@ -1276,7 +1277,7 @@
             <a:fld id="{A4FA2B0E-4818-9849-9CF1-1031FD4E1DAB}" type="datetimeFigureOut">
               <a:rPr lang="en-US" smtClean="0"/>
               <a:pPr/>
-              <a:t>12/11/18</a:t>
+              <a:t>1/24/21</a:t>
             </a:fld>
             <a:endParaRPr lang="en-US"/>
           </a:p>
@@ -1441,7 +1442,7 @@
             <a:fld id="{A4FA2B0E-4818-9849-9CF1-1031FD4E1DAB}" type="datetimeFigureOut">
               <a:rPr lang="en-US" smtClean="0"/>
               <a:pPr/>
-              <a:t>12/11/18</a:t>
+              <a:t>1/24/21</a:t>
             </a:fld>
             <a:endParaRPr lang="en-US"/>
           </a:p>
@@ -1683,7 +1684,7 @@
             <a:fld id="{A4FA2B0E-4818-9849-9CF1-1031FD4E1DAB}" type="datetimeFigureOut">
               <a:rPr lang="en-US" smtClean="0"/>
               <a:pPr/>
-              <a:t>12/11/18</a:t>
+              <a:t>1/24/21</a:t>
             </a:fld>
             <a:endParaRPr lang="en-US"/>
           </a:p>
@@ -1965,7 +1966,7 @@
             <a:fld id="{A4FA2B0E-4818-9849-9CF1-1031FD4E1DAB}" type="datetimeFigureOut">
               <a:rPr lang="en-US" smtClean="0"/>
               <a:pPr/>
-              <a:t>12/11/18</a:t>
+              <a:t>1/24/21</a:t>
             </a:fld>
             <a:endParaRPr lang="en-US"/>
           </a:p>
@@ -2381,7 +2382,7 @@
             <a:fld id="{A4FA2B0E-4818-9849-9CF1-1031FD4E1DAB}" type="datetimeFigureOut">
               <a:rPr lang="en-US" smtClean="0"/>
               <a:pPr/>
-              <a:t>12/11/18</a:t>
+              <a:t>1/24/21</a:t>
             </a:fld>
             <a:endParaRPr lang="en-US"/>
           </a:p>
@@ -2495,7 +2496,7 @@
             <a:fld id="{A4FA2B0E-4818-9849-9CF1-1031FD4E1DAB}" type="datetimeFigureOut">
               <a:rPr lang="en-US" smtClean="0"/>
               <a:pPr/>
-              <a:t>12/11/18</a:t>
+              <a:t>1/24/21</a:t>
             </a:fld>
             <a:endParaRPr lang="en-US"/>
           </a:p>
@@ -2587,7 +2588,7 @@
             <a:fld id="{A4FA2B0E-4818-9849-9CF1-1031FD4E1DAB}" type="datetimeFigureOut">
               <a:rPr lang="en-US" smtClean="0"/>
               <a:pPr/>
-              <a:t>12/11/18</a:t>
+              <a:t>1/24/21</a:t>
             </a:fld>
             <a:endParaRPr lang="en-US"/>
           </a:p>
@@ -2859,7 +2860,7 @@
             <a:fld id="{A4FA2B0E-4818-9849-9CF1-1031FD4E1DAB}" type="datetimeFigureOut">
               <a:rPr lang="en-US" smtClean="0"/>
               <a:pPr/>
-              <a:t>12/11/18</a:t>
+              <a:t>1/24/21</a:t>
             </a:fld>
             <a:endParaRPr lang="en-US"/>
           </a:p>
@@ -3108,7 +3109,7 @@
             <a:fld id="{A4FA2B0E-4818-9849-9CF1-1031FD4E1DAB}" type="datetimeFigureOut">
               <a:rPr lang="en-US" smtClean="0"/>
               <a:pPr/>
-              <a:t>12/11/18</a:t>
+              <a:t>1/24/21</a:t>
             </a:fld>
             <a:endParaRPr lang="en-US"/>
           </a:p>
@@ -3316,7 +3317,7 @@
             <a:fld id="{A4FA2B0E-4818-9849-9CF1-1031FD4E1DAB}" type="datetimeFigureOut">
               <a:rPr lang="en-US" smtClean="0"/>
               <a:pPr/>
-              <a:t>12/11/18</a:t>
+              <a:t>1/24/21</a:t>
             </a:fld>
             <a:endParaRPr lang="en-US"/>
           </a:p>
@@ -3760,7 +3761,7 @@
                 <a:latin typeface="Times New Roman"/>
                 <a:cs typeface="Times New Roman"/>
               </a:rPr>
-              <a:t>Presentation of Research Article</a:t>
+              <a:t>Written Summary of Research Article</a:t>
             </a:r>
           </a:p>
           <a:p>
@@ -3865,7 +3866,7 @@
         <p:spPr>
           <a:xfrm>
             <a:off x="539603" y="945629"/>
-            <a:ext cx="8450017" cy="1969770"/>
+            <a:ext cx="8450017" cy="2985433"/>
           </a:xfrm>
           <a:prstGeom prst="rect">
             <a:avLst/>
@@ -3888,7 +3889,7 @@
                 <a:ea typeface="MS Mincho" panose="02020609040205080304" pitchFamily="49" charset="-128"/>
                 <a:cs typeface="Times New Roman" panose="02020603050405020304" pitchFamily="18" charset="0"/>
               </a:rPr>
-              <a:t>Today: presentation on research article (part I)</a:t>
+              <a:t>Today: peer review of research article summary</a:t>
             </a:r>
           </a:p>
           <a:p>
@@ -3902,7 +3903,7 @@
                 <a:ea typeface="MS Mincho" panose="02020609040205080304" pitchFamily="49" charset="-128"/>
                 <a:cs typeface="Times New Roman" panose="02020603050405020304" pitchFamily="18" charset="0"/>
               </a:rPr>
-              <a:t>3 – 4 minutes, with maximum of 3 slides (including title slide)</a:t>
+              <a:t>300 – 400 words (strict minimum &amp; maximum)</a:t>
             </a:r>
           </a:p>
           <a:p>
@@ -3916,7 +3917,31 @@
                 <a:ea typeface="MS Mincho" panose="02020609040205080304" pitchFamily="49" charset="-128"/>
                 <a:cs typeface="Times New Roman" panose="02020603050405020304" pitchFamily="18" charset="0"/>
               </a:rPr>
-              <a:t>Every presentation will have at least two students asking questions and two students providing feedback</a:t>
+              <a:t>Audience: students in this class </a:t>
+            </a:r>
+            <a:r>
+              <a:rPr lang="en-US" sz="2200" dirty="0">
+                <a:latin typeface="Times New Roman" panose="02020603050405020304" pitchFamily="18" charset="0"/>
+                <a:ea typeface="MS Mincho" panose="02020609040205080304" pitchFamily="49" charset="-128"/>
+                <a:cs typeface="Times New Roman" panose="02020603050405020304" pitchFamily="18" charset="0"/>
+                <a:sym typeface="Wingdings" pitchFamily="2" charset="2"/>
+              </a:rPr>
+              <a:t> peer review</a:t>
+            </a:r>
+          </a:p>
+          <a:p>
+            <a:pPr marL="800100" lvl="1" indent="-342900">
+              <a:buFont typeface="Arial" panose="020B0604020202020204" pitchFamily="34" charset="0"/>
+              <a:buChar char="•"/>
+            </a:pPr>
+            <a:r>
+              <a:rPr lang="en-US" sz="2200" dirty="0">
+                <a:latin typeface="Times New Roman" panose="02020603050405020304" pitchFamily="18" charset="0"/>
+                <a:ea typeface="MS Mincho" panose="02020609040205080304" pitchFamily="49" charset="-128"/>
+                <a:cs typeface="Times New Roman" panose="02020603050405020304" pitchFamily="18" charset="0"/>
+                <a:sym typeface="Wingdings" pitchFamily="2" charset="2"/>
+              </a:rPr>
+              <a:t>Two rounds of peer review</a:t>
             </a:r>
           </a:p>
           <a:p>
@@ -3941,7 +3966,35 @@
                 <a:ea typeface="MS Mincho" panose="02020609040205080304" pitchFamily="49" charset="-128"/>
                 <a:cs typeface="Times New Roman" panose="02020603050405020304" pitchFamily="18" charset="0"/>
               </a:rPr>
-              <a:t>Next three classes: presentations on research articles</a:t>
+              <a:t>Next class: presentation on research article</a:t>
+            </a:r>
+          </a:p>
+          <a:p>
+            <a:pPr marL="800100" lvl="1" indent="-342900">
+              <a:buFont typeface="Arial" panose="020B0604020202020204" pitchFamily="34" charset="0"/>
+              <a:buChar char="•"/>
+            </a:pPr>
+            <a:r>
+              <a:rPr lang="en-US" sz="2200" dirty="0">
+                <a:latin typeface="Times New Roman" panose="02020603050405020304" pitchFamily="18" charset="0"/>
+                <a:ea typeface="MS Mincho" panose="02020609040205080304" pitchFamily="49" charset="-128"/>
+                <a:cs typeface="Times New Roman" panose="02020603050405020304" pitchFamily="18" charset="0"/>
+              </a:rPr>
+              <a:t>3 – 4 minutes, with maximum of 3 slides (including title slide)</a:t>
+            </a:r>
+          </a:p>
+          <a:p>
+            <a:pPr marL="800100" lvl="1" indent="-342900">
+              <a:buFont typeface="Arial" panose="020B0604020202020204" pitchFamily="34" charset="0"/>
+              <a:buChar char="•"/>
+            </a:pPr>
+            <a:r>
+              <a:rPr lang="en-US" sz="2200" dirty="0">
+                <a:latin typeface="Times New Roman" panose="02020603050405020304" pitchFamily="18" charset="0"/>
+                <a:ea typeface="MS Mincho" panose="02020609040205080304" pitchFamily="49" charset="-128"/>
+                <a:cs typeface="Times New Roman" panose="02020603050405020304" pitchFamily="18" charset="0"/>
+              </a:rPr>
+              <a:t>Every presentation will have at least two students asking questions and two students providing feedback</a:t>
             </a:r>
           </a:p>
         </p:txBody>
@@ -3949,7 +4002,7 @@
     </p:spTree>
     <p:extLst>
       <p:ext uri="{BB962C8B-B14F-4D97-AF65-F5344CB8AC3E}">
-        <p14:creationId xmlns:p14="http://schemas.microsoft.com/office/powerpoint/2010/main" val="4185340015"/>
+        <p14:creationId xmlns:p14="http://schemas.microsoft.com/office/powerpoint/2010/main" val="2561974156"/>
       </p:ext>
     </p:extLst>
   </p:cSld>
@@ -3985,7 +4038,7 @@
         <p:spPr>
           <a:xfrm>
             <a:off x="275549" y="191702"/>
-            <a:ext cx="5098447" cy="553998"/>
+            <a:ext cx="6042103" cy="553998"/>
           </a:xfrm>
           <a:prstGeom prst="rect">
             <a:avLst/>
@@ -4006,7 +4059,7 @@
                 <a:latin typeface="Times New Roman"/>
                 <a:cs typeface="Times New Roman"/>
               </a:rPr>
-              <a:t>Rubric Items for Presentation</a:t>
+              <a:t>Rubric Items for Written Summary</a:t>
             </a:r>
             <a:endParaRPr lang="en-US" sz="2400" b="1" dirty="0">
               <a:solidFill>
@@ -4033,7 +4086,7 @@
         <p:spPr>
           <a:xfrm>
             <a:off x="539603" y="945629"/>
-            <a:ext cx="8450017" cy="4524315"/>
+            <a:ext cx="8450017" cy="4493538"/>
           </a:xfrm>
           <a:prstGeom prst="rect">
             <a:avLst/>
@@ -4084,7 +4137,7 @@
                 <a:ea typeface="MS Mincho" panose="02020609040205080304" pitchFamily="49" charset="-128"/>
                 <a:cs typeface="Times New Roman" panose="02020603050405020304" pitchFamily="18" charset="0"/>
               </a:rPr>
-              <a:t>Subject Knowledge: answering all questions with explanations and elaboration</a:t>
+              <a:t>Subject Knowledge: confident and focused writing, holding the reader’s attention; relevant details enrich writing</a:t>
             </a:r>
           </a:p>
           <a:p>
@@ -4098,7 +4151,7 @@
                 <a:ea typeface="MS Mincho" panose="02020609040205080304" pitchFamily="49" charset="-128"/>
                 <a:cs typeface="Times New Roman" panose="02020603050405020304" pitchFamily="18" charset="0"/>
               </a:rPr>
-              <a:t>Organization: information in logical, interesting sequence which audience can follow</a:t>
+              <a:t>Organization: strong beginning, middle and end, with clear transitions and focused closure</a:t>
             </a:r>
           </a:p>
           <a:p>
@@ -4112,7 +4165,7 @@
                 <a:ea typeface="MS Mincho" panose="02020609040205080304" pitchFamily="49" charset="-128"/>
                 <a:cs typeface="Times New Roman" panose="02020603050405020304" pitchFamily="18" charset="0"/>
               </a:rPr>
-              <a:t>Communication Aids: strongly enhance presentation; font of visuals is readable</a:t>
+              <a:t>Referencing: internal and external referencing effective and complete, using proper standards</a:t>
             </a:r>
           </a:p>
           <a:p>
@@ -4126,7 +4179,7 @@
                 <a:ea typeface="MS Mincho" panose="02020609040205080304" pitchFamily="49" charset="-128"/>
                 <a:cs typeface="Times New Roman" panose="02020603050405020304" pitchFamily="18" charset="0"/>
               </a:rPr>
-              <a:t>Elocution: clear voice and precise pronunciation of terms</a:t>
+              <a:t>Vocabulary: effective and engaging word choice</a:t>
             </a:r>
           </a:p>
           <a:p>
@@ -4140,7 +4193,7 @@
                 <a:ea typeface="MS Mincho" panose="02020609040205080304" pitchFamily="49" charset="-128"/>
                 <a:cs typeface="Times New Roman" panose="02020603050405020304" pitchFamily="18" charset="0"/>
               </a:rPr>
-              <a:t>Body Language: good position/posture; movements seem fluid</a:t>
+              <a:t>Voice: distinct, writing is well adapted to the audience</a:t>
             </a:r>
           </a:p>
           <a:p>
@@ -4154,7 +4207,7 @@
                 <a:ea typeface="MS Mincho" panose="02020609040205080304" pitchFamily="49" charset="-128"/>
                 <a:cs typeface="Times New Roman" panose="02020603050405020304" pitchFamily="18" charset="0"/>
               </a:rPr>
-              <a:t>Eye Contact: holding attention with direct eye contact</a:t>
+              <a:t>Fluency: variety of sentence structure</a:t>
             </a:r>
           </a:p>
           <a:p>
@@ -4168,7 +4221,7 @@
                 <a:ea typeface="MS Mincho" panose="02020609040205080304" pitchFamily="49" charset="-128"/>
                 <a:cs typeface="Times New Roman" panose="02020603050405020304" pitchFamily="18" charset="0"/>
               </a:rPr>
-              <a:t>Enthusiasm: strong, positive feeling about topic</a:t>
+              <a:t>Conventions: consistent, effective and creative use of spelling</a:t>
             </a:r>
             <a:endParaRPr lang="en-US" sz="2200" dirty="0">
               <a:latin typeface="Times New Roman" panose="02020603050405020304" pitchFamily="18" charset="0"/>
@@ -4181,7 +4234,294 @@
     </p:spTree>
     <p:extLst>
       <p:ext uri="{BB962C8B-B14F-4D97-AF65-F5344CB8AC3E}">
-        <p14:creationId xmlns:p14="http://schemas.microsoft.com/office/powerpoint/2010/main" val="2317787287"/>
+        <p14:creationId xmlns:p14="http://schemas.microsoft.com/office/powerpoint/2010/main" val="2715674298"/>
+      </p:ext>
+    </p:extLst>
+  </p:cSld>
+  <p:clrMapOvr>
+    <a:masterClrMapping/>
+  </p:clrMapOvr>
+</p:sld>
+</file>
+
+<file path=ppt/slides/slide4.xml><?xml version="1.0" encoding="utf-8"?>
+<p:sld xmlns:a="http://schemas.openxmlformats.org/drawingml/2006/main" xmlns:r="http://schemas.openxmlformats.org/officeDocument/2006/relationships" xmlns:p="http://schemas.openxmlformats.org/presentationml/2006/main">
+  <p:cSld>
+    <p:spTree>
+      <p:nvGrpSpPr>
+        <p:cNvPr id="1" name=""/>
+        <p:cNvGrpSpPr/>
+        <p:nvPr/>
+      </p:nvGrpSpPr>
+      <p:grpSpPr>
+        <a:xfrm>
+          <a:off x="0" y="0"/>
+          <a:ext cx="0" cy="0"/>
+          <a:chOff x="0" y="0"/>
+          <a:chExt cx="0" cy="0"/>
+        </a:xfrm>
+      </p:grpSpPr>
+      <p:sp>
+        <p:nvSpPr>
+          <p:cNvPr id="4" name="TextBox 3"/>
+          <p:cNvSpPr txBox="1"/>
+          <p:nvPr/>
+        </p:nvSpPr>
+        <p:spPr>
+          <a:xfrm>
+            <a:off x="275549" y="191702"/>
+            <a:ext cx="3837012" cy="553998"/>
+          </a:xfrm>
+          <a:prstGeom prst="rect">
+            <a:avLst/>
+          </a:prstGeom>
+          <a:noFill/>
+        </p:spPr>
+        <p:txBody>
+          <a:bodyPr wrap="none" rtlCol="0">
+            <a:spAutoFit/>
+          </a:bodyPr>
+          <a:lstStyle/>
+          <a:p>
+            <a:r>
+              <a:rPr lang="en-US" sz="3000" b="1" dirty="0">
+                <a:solidFill>
+                  <a:prstClr val="black"/>
+                </a:solidFill>
+                <a:latin typeface="Times New Roman"/>
+                <a:cs typeface="Times New Roman"/>
+              </a:rPr>
+              <a:t>Peer Review Activities</a:t>
+            </a:r>
+            <a:endParaRPr lang="en-US" sz="2400" b="1" dirty="0">
+              <a:solidFill>
+                <a:prstClr val="black"/>
+              </a:solidFill>
+              <a:latin typeface="Times New Roman"/>
+              <a:cs typeface="Times New Roman"/>
+            </a:endParaRPr>
+          </a:p>
+        </p:txBody>
+      </p:sp>
+      <p:sp>
+        <p:nvSpPr>
+          <p:cNvPr id="6" name="TextBox 5">
+            <a:extLst>
+              <a:ext uri="{FF2B5EF4-FFF2-40B4-BE49-F238E27FC236}">
+                <a16:creationId xmlns:a16="http://schemas.microsoft.com/office/drawing/2014/main" id="{878A97EC-2834-8447-A6B8-2F5335C4C2C1}"/>
+              </a:ext>
+            </a:extLst>
+          </p:cNvPr>
+          <p:cNvSpPr txBox="1"/>
+          <p:nvPr/>
+        </p:nvSpPr>
+        <p:spPr>
+          <a:xfrm>
+            <a:off x="539603" y="945629"/>
+            <a:ext cx="8450017" cy="3785652"/>
+          </a:xfrm>
+          <a:prstGeom prst="rect">
+            <a:avLst/>
+          </a:prstGeom>
+          <a:noFill/>
+        </p:spPr>
+        <p:txBody>
+          <a:bodyPr wrap="square" rtlCol="0">
+            <a:spAutoFit/>
+          </a:bodyPr>
+          <a:lstStyle/>
+          <a:p>
+            <a:pPr marL="342900" indent="-342900">
+              <a:buFont typeface="Arial" panose="020B0604020202020204" pitchFamily="34" charset="0"/>
+              <a:buChar char="•"/>
+            </a:pPr>
+            <a:r>
+              <a:rPr lang="en-US" sz="2400" dirty="0">
+                <a:latin typeface="Times New Roman" panose="02020603050405020304" pitchFamily="18" charset="0"/>
+                <a:ea typeface="MS Mincho" panose="02020609040205080304" pitchFamily="49" charset="-128"/>
+                <a:cs typeface="Times New Roman" panose="02020603050405020304" pitchFamily="18" charset="0"/>
+              </a:rPr>
+              <a:t>Read the entire summary</a:t>
+            </a:r>
+          </a:p>
+          <a:p>
+            <a:pPr marL="342900" indent="-342900">
+              <a:buFont typeface="Arial" panose="020B0604020202020204" pitchFamily="34" charset="0"/>
+              <a:buChar char="•"/>
+            </a:pPr>
+            <a:endParaRPr lang="en-US" sz="800" dirty="0">
+              <a:latin typeface="Times New Roman" panose="02020603050405020304" pitchFamily="18" charset="0"/>
+              <a:ea typeface="MS Mincho" panose="02020609040205080304" pitchFamily="49" charset="-128"/>
+              <a:cs typeface="Times New Roman" panose="02020603050405020304" pitchFamily="18" charset="0"/>
+            </a:endParaRPr>
+          </a:p>
+          <a:p>
+            <a:pPr marL="342900" indent="-342900">
+              <a:buFont typeface="Arial" panose="020B0604020202020204" pitchFamily="34" charset="0"/>
+              <a:buChar char="•"/>
+            </a:pPr>
+            <a:r>
+              <a:rPr lang="en-US" sz="2400" dirty="0">
+                <a:latin typeface="Times New Roman" panose="02020603050405020304" pitchFamily="18" charset="0"/>
+                <a:ea typeface="MS Mincho" panose="02020609040205080304" pitchFamily="49" charset="-128"/>
+                <a:cs typeface="Times New Roman" panose="02020603050405020304" pitchFamily="18" charset="0"/>
+              </a:rPr>
+              <a:t>Discuss if the summary meets the expectations of the genre</a:t>
+            </a:r>
+          </a:p>
+          <a:p>
+            <a:pPr marL="342900" indent="-342900">
+              <a:buFont typeface="Arial" panose="020B0604020202020204" pitchFamily="34" charset="0"/>
+              <a:buChar char="•"/>
+            </a:pPr>
+            <a:endParaRPr lang="en-US" sz="800" dirty="0">
+              <a:latin typeface="Times New Roman" panose="02020603050405020304" pitchFamily="18" charset="0"/>
+              <a:ea typeface="MS Mincho" panose="02020609040205080304" pitchFamily="49" charset="-128"/>
+              <a:cs typeface="Times New Roman" panose="02020603050405020304" pitchFamily="18" charset="0"/>
+            </a:endParaRPr>
+          </a:p>
+          <a:p>
+            <a:pPr marL="342900" indent="-342900">
+              <a:buFont typeface="Arial" panose="020B0604020202020204" pitchFamily="34" charset="0"/>
+              <a:buChar char="•"/>
+            </a:pPr>
+            <a:r>
+              <a:rPr lang="en-US" sz="2400" dirty="0">
+                <a:latin typeface="Times New Roman" panose="02020603050405020304" pitchFamily="18" charset="0"/>
+                <a:ea typeface="MS Mincho" panose="02020609040205080304" pitchFamily="49" charset="-128"/>
+                <a:cs typeface="Times New Roman" panose="02020603050405020304" pitchFamily="18" charset="0"/>
+              </a:rPr>
+              <a:t>Identify &amp; discuss what is most important, interesting or striking</a:t>
+            </a:r>
+          </a:p>
+          <a:p>
+            <a:pPr marL="342900" indent="-342900">
+              <a:buFont typeface="Arial" panose="020B0604020202020204" pitchFamily="34" charset="0"/>
+              <a:buChar char="•"/>
+            </a:pPr>
+            <a:endParaRPr lang="en-US" sz="800" dirty="0">
+              <a:latin typeface="Times New Roman" panose="02020603050405020304" pitchFamily="18" charset="0"/>
+              <a:ea typeface="MS Mincho" panose="02020609040205080304" pitchFamily="49" charset="-128"/>
+              <a:cs typeface="Times New Roman" panose="02020603050405020304" pitchFamily="18" charset="0"/>
+            </a:endParaRPr>
+          </a:p>
+          <a:p>
+            <a:pPr marL="342900" indent="-342900">
+              <a:buFont typeface="Arial" panose="020B0604020202020204" pitchFamily="34" charset="0"/>
+              <a:buChar char="•"/>
+            </a:pPr>
+            <a:r>
+              <a:rPr lang="en-US" sz="2400" dirty="0">
+                <a:latin typeface="Times New Roman" panose="02020603050405020304" pitchFamily="18" charset="0"/>
+                <a:ea typeface="MS Mincho" panose="02020609040205080304" pitchFamily="49" charset="-128"/>
+                <a:cs typeface="Times New Roman" panose="02020603050405020304" pitchFamily="18" charset="0"/>
+              </a:rPr>
+              <a:t>Identify &amp; discuss what is almost but not quite said</a:t>
+            </a:r>
+          </a:p>
+          <a:p>
+            <a:pPr marL="342900" indent="-342900">
+              <a:buFont typeface="Arial" panose="020B0604020202020204" pitchFamily="34" charset="0"/>
+              <a:buChar char="•"/>
+            </a:pPr>
+            <a:endParaRPr lang="en-US" sz="800" dirty="0">
+              <a:latin typeface="Times New Roman" panose="02020603050405020304" pitchFamily="18" charset="0"/>
+              <a:ea typeface="MS Mincho" panose="02020609040205080304" pitchFamily="49" charset="-128"/>
+              <a:cs typeface="Times New Roman" panose="02020603050405020304" pitchFamily="18" charset="0"/>
+            </a:endParaRPr>
+          </a:p>
+          <a:p>
+            <a:pPr marL="342900" indent="-342900">
+              <a:buFont typeface="Arial" panose="020B0604020202020204" pitchFamily="34" charset="0"/>
+              <a:buChar char="•"/>
+            </a:pPr>
+            <a:r>
+              <a:rPr lang="en-US" sz="2400" dirty="0">
+                <a:latin typeface="Times New Roman" panose="02020603050405020304" pitchFamily="18" charset="0"/>
+                <a:ea typeface="MS Mincho" panose="02020609040205080304" pitchFamily="49" charset="-128"/>
+                <a:cs typeface="Times New Roman" panose="02020603050405020304" pitchFamily="18" charset="0"/>
+              </a:rPr>
+              <a:t>Discuss the strengths &amp; weaknesses based on the rubric</a:t>
+            </a:r>
+          </a:p>
+          <a:p>
+            <a:pPr marL="342900" indent="-342900">
+              <a:buFont typeface="Arial" panose="020B0604020202020204" pitchFamily="34" charset="0"/>
+              <a:buChar char="•"/>
+            </a:pPr>
+            <a:endParaRPr lang="en-US" sz="800" dirty="0">
+              <a:latin typeface="Times New Roman" panose="02020603050405020304" pitchFamily="18" charset="0"/>
+              <a:ea typeface="MS Mincho" panose="02020609040205080304" pitchFamily="49" charset="-128"/>
+              <a:cs typeface="Times New Roman" panose="02020603050405020304" pitchFamily="18" charset="0"/>
+            </a:endParaRPr>
+          </a:p>
+          <a:p>
+            <a:pPr marL="342900" indent="-342900">
+              <a:buFont typeface="Arial" panose="020B0604020202020204" pitchFamily="34" charset="0"/>
+              <a:buChar char="•"/>
+            </a:pPr>
+            <a:r>
+              <a:rPr lang="en-US" sz="2400" dirty="0">
+                <a:latin typeface="Times New Roman" panose="02020603050405020304" pitchFamily="18" charset="0"/>
+                <a:ea typeface="MS Mincho" panose="02020609040205080304" pitchFamily="49" charset="-128"/>
+                <a:cs typeface="Times New Roman" panose="02020603050405020304" pitchFamily="18" charset="0"/>
+              </a:rPr>
+              <a:t>Feedback should always be constructive!</a:t>
+            </a:r>
+          </a:p>
+          <a:p>
+            <a:pPr marL="342900" indent="-342900">
+              <a:buFont typeface="Arial" panose="020B0604020202020204" pitchFamily="34" charset="0"/>
+              <a:buChar char="•"/>
+            </a:pPr>
+            <a:endParaRPr lang="en-US" sz="800" dirty="0">
+              <a:latin typeface="Times New Roman" panose="02020603050405020304" pitchFamily="18" charset="0"/>
+              <a:ea typeface="MS Mincho" panose="02020609040205080304" pitchFamily="49" charset="-128"/>
+              <a:cs typeface="Times New Roman" panose="02020603050405020304" pitchFamily="18" charset="0"/>
+            </a:endParaRPr>
+          </a:p>
+          <a:p>
+            <a:pPr marL="342900" indent="-342900">
+              <a:buFont typeface="Arial" panose="020B0604020202020204" pitchFamily="34" charset="0"/>
+              <a:buChar char="•"/>
+            </a:pPr>
+            <a:r>
+              <a:rPr lang="en-US" sz="2400" dirty="0">
+                <a:solidFill>
+                  <a:prstClr val="black"/>
+                </a:solidFill>
+                <a:latin typeface="Times New Roman" panose="02020603050405020304" pitchFamily="18" charset="0"/>
+                <a:cs typeface="Times New Roman" panose="02020603050405020304" pitchFamily="18" charset="0"/>
+              </a:rPr>
+              <a:t>Write down notes on the discussion and give the sheet to the instructor (</a:t>
+            </a:r>
+            <a:r>
+              <a:rPr lang="en-US" sz="2400" i="1" dirty="0">
+                <a:solidFill>
+                  <a:prstClr val="black"/>
+                </a:solidFill>
+                <a:latin typeface="Times New Roman" panose="02020603050405020304" pitchFamily="18" charset="0"/>
+                <a:cs typeface="Times New Roman" panose="02020603050405020304" pitchFamily="18" charset="0"/>
+              </a:rPr>
+              <a:t>for an in-class activity grade</a:t>
+            </a:r>
+            <a:r>
+              <a:rPr lang="en-US" sz="2400" dirty="0">
+                <a:solidFill>
+                  <a:prstClr val="black"/>
+                </a:solidFill>
+                <a:latin typeface="Times New Roman" panose="02020603050405020304" pitchFamily="18" charset="0"/>
+                <a:cs typeface="Times New Roman" panose="02020603050405020304" pitchFamily="18" charset="0"/>
+              </a:rPr>
+              <a:t>)</a:t>
+            </a:r>
+          </a:p>
+        </p:txBody>
+      </p:sp>
+    </p:spTree>
+    <p:extLst>
+      <p:ext uri="{BB962C8B-B14F-4D97-AF65-F5344CB8AC3E}">
+        <p14:creationId xmlns:p14="http://schemas.microsoft.com/office/powerpoint/2010/main" val="4159132312"/>
       </p:ext>
     </p:extLst>
   </p:cSld>

--- a/Slides/Class15.pptx
+++ b/Slides/Class15.pptx
@@ -228,7 +228,7 @@
           <a:p>
             <a:fld id="{C24322AF-E05B-7249-906C-FBAC6154C037}" type="datetimeFigureOut">
               <a:rPr lang="en-US" smtClean="0"/>
-              <a:t>1/24/21</a:t>
+              <a:t>6/18/25</a:t>
             </a:fld>
             <a:endParaRPr lang="en-US"/>
           </a:p>
@@ -394,7 +394,7 @@
             <a:fld id="{06A43BE5-3BD4-F642-8751-88A31D8D6D13}" type="datetimeFigureOut">
               <a:rPr lang="en-US" smtClean="0"/>
               <a:pPr/>
-              <a:t>1/24/21</a:t>
+              <a:t>6/18/25</a:t>
             </a:fld>
             <a:endParaRPr lang="en-US"/>
           </a:p>
@@ -937,7 +937,7 @@
             <a:fld id="{A4FA2B0E-4818-9849-9CF1-1031FD4E1DAB}" type="datetimeFigureOut">
               <a:rPr lang="en-US" smtClean="0"/>
               <a:pPr/>
-              <a:t>1/24/21</a:t>
+              <a:t>6/18/25</a:t>
             </a:fld>
             <a:endParaRPr lang="en-US"/>
           </a:p>
@@ -1102,7 +1102,7 @@
             <a:fld id="{A4FA2B0E-4818-9849-9CF1-1031FD4E1DAB}" type="datetimeFigureOut">
               <a:rPr lang="en-US" smtClean="0"/>
               <a:pPr/>
-              <a:t>1/24/21</a:t>
+              <a:t>6/18/25</a:t>
             </a:fld>
             <a:endParaRPr lang="en-US"/>
           </a:p>
@@ -1277,7 +1277,7 @@
             <a:fld id="{A4FA2B0E-4818-9849-9CF1-1031FD4E1DAB}" type="datetimeFigureOut">
               <a:rPr lang="en-US" smtClean="0"/>
               <a:pPr/>
-              <a:t>1/24/21</a:t>
+              <a:t>6/18/25</a:t>
             </a:fld>
             <a:endParaRPr lang="en-US"/>
           </a:p>
@@ -1442,7 +1442,7 @@
             <a:fld id="{A4FA2B0E-4818-9849-9CF1-1031FD4E1DAB}" type="datetimeFigureOut">
               <a:rPr lang="en-US" smtClean="0"/>
               <a:pPr/>
-              <a:t>1/24/21</a:t>
+              <a:t>6/18/25</a:t>
             </a:fld>
             <a:endParaRPr lang="en-US"/>
           </a:p>
@@ -1684,7 +1684,7 @@
             <a:fld id="{A4FA2B0E-4818-9849-9CF1-1031FD4E1DAB}" type="datetimeFigureOut">
               <a:rPr lang="en-US" smtClean="0"/>
               <a:pPr/>
-              <a:t>1/24/21</a:t>
+              <a:t>6/18/25</a:t>
             </a:fld>
             <a:endParaRPr lang="en-US"/>
           </a:p>
@@ -1966,7 +1966,7 @@
             <a:fld id="{A4FA2B0E-4818-9849-9CF1-1031FD4E1DAB}" type="datetimeFigureOut">
               <a:rPr lang="en-US" smtClean="0"/>
               <a:pPr/>
-              <a:t>1/24/21</a:t>
+              <a:t>6/18/25</a:t>
             </a:fld>
             <a:endParaRPr lang="en-US"/>
           </a:p>
@@ -2382,7 +2382,7 @@
             <a:fld id="{A4FA2B0E-4818-9849-9CF1-1031FD4E1DAB}" type="datetimeFigureOut">
               <a:rPr lang="en-US" smtClean="0"/>
               <a:pPr/>
-              <a:t>1/24/21</a:t>
+              <a:t>6/18/25</a:t>
             </a:fld>
             <a:endParaRPr lang="en-US"/>
           </a:p>
@@ -2496,7 +2496,7 @@
             <a:fld id="{A4FA2B0E-4818-9849-9CF1-1031FD4E1DAB}" type="datetimeFigureOut">
               <a:rPr lang="en-US" smtClean="0"/>
               <a:pPr/>
-              <a:t>1/24/21</a:t>
+              <a:t>6/18/25</a:t>
             </a:fld>
             <a:endParaRPr lang="en-US"/>
           </a:p>
@@ -2588,7 +2588,7 @@
             <a:fld id="{A4FA2B0E-4818-9849-9CF1-1031FD4E1DAB}" type="datetimeFigureOut">
               <a:rPr lang="en-US" smtClean="0"/>
               <a:pPr/>
-              <a:t>1/24/21</a:t>
+              <a:t>6/18/25</a:t>
             </a:fld>
             <a:endParaRPr lang="en-US"/>
           </a:p>
@@ -2860,7 +2860,7 @@
             <a:fld id="{A4FA2B0E-4818-9849-9CF1-1031FD4E1DAB}" type="datetimeFigureOut">
               <a:rPr lang="en-US" smtClean="0"/>
               <a:pPr/>
-              <a:t>1/24/21</a:t>
+              <a:t>6/18/25</a:t>
             </a:fld>
             <a:endParaRPr lang="en-US"/>
           </a:p>
@@ -3109,7 +3109,7 @@
             <a:fld id="{A4FA2B0E-4818-9849-9CF1-1031FD4E1DAB}" type="datetimeFigureOut">
               <a:rPr lang="en-US" smtClean="0"/>
               <a:pPr/>
-              <a:t>1/24/21</a:t>
+              <a:t>6/18/25</a:t>
             </a:fld>
             <a:endParaRPr lang="en-US"/>
           </a:p>
@@ -3317,7 +3317,7 @@
             <a:fld id="{A4FA2B0E-4818-9849-9CF1-1031FD4E1DAB}" type="datetimeFigureOut">
               <a:rPr lang="en-US" smtClean="0"/>
               <a:pPr/>
-              <a:t>1/24/21</a:t>
+              <a:t>6/18/25</a:t>
             </a:fld>
             <a:endParaRPr lang="en-US"/>
           </a:p>
@@ -4221,7 +4221,7 @@
                 <a:ea typeface="MS Mincho" panose="02020609040205080304" pitchFamily="49" charset="-128"/>
                 <a:cs typeface="Times New Roman" panose="02020603050405020304" pitchFamily="18" charset="0"/>
               </a:rPr>
-              <a:t>Conventions: consistent, effective and creative use of spelling</a:t>
+              <a:t>Conventions: consistent, effective and effective use of spelling</a:t>
             </a:r>
             <a:endParaRPr lang="en-US" sz="2200" dirty="0">
               <a:latin typeface="Times New Roman" panose="02020603050405020304" pitchFamily="18" charset="0"/>
